--- a/assessing_interpretability.pptx
+++ b/assessing_interpretability.pptx
@@ -106,7 +106,7 @@
   </p:defaultTextStyle>
   <p:extLst>
     <p:ext uri="{EFAFB233-063F-42B5-8137-9DF3F51BA10A}">
-      <p15:sldGuideLst xmlns="" xmlns:p15="http://schemas.microsoft.com/office/powerpoint/2012/main"/>
+      <p15:sldGuideLst xmlns:p15="http://schemas.microsoft.com/office/powerpoint/2012/main" xmlns=""/>
     </p:ext>
   </p:extLst>
 </p:presentation>
@@ -243,7 +243,7 @@
           <a:p>
             <a:fld id="{3510B498-9D4D-4FAD-891F-E57FF8B5A028}" type="datetimeFigureOut">
               <a:rPr lang="en-US" smtClean="0"/>
-              <a:t>11/23/19</a:t>
+              <a:t>11/28/19</a:t>
             </a:fld>
             <a:endParaRPr lang="en-US"/>
           </a:p>
@@ -413,7 +413,7 @@
           <a:p>
             <a:fld id="{3510B498-9D4D-4FAD-891F-E57FF8B5A028}" type="datetimeFigureOut">
               <a:rPr lang="en-US" smtClean="0"/>
-              <a:t>11/23/19</a:t>
+              <a:t>11/28/19</a:t>
             </a:fld>
             <a:endParaRPr lang="en-US"/>
           </a:p>
@@ -593,7 +593,7 @@
           <a:p>
             <a:fld id="{3510B498-9D4D-4FAD-891F-E57FF8B5A028}" type="datetimeFigureOut">
               <a:rPr lang="en-US" smtClean="0"/>
-              <a:t>11/23/19</a:t>
+              <a:t>11/28/19</a:t>
             </a:fld>
             <a:endParaRPr lang="en-US"/>
           </a:p>
@@ -763,7 +763,7 @@
           <a:p>
             <a:fld id="{3510B498-9D4D-4FAD-891F-E57FF8B5A028}" type="datetimeFigureOut">
               <a:rPr lang="en-US" smtClean="0"/>
-              <a:t>11/23/19</a:t>
+              <a:t>11/28/19</a:t>
             </a:fld>
             <a:endParaRPr lang="en-US"/>
           </a:p>
@@ -1007,7 +1007,7 @@
           <a:p>
             <a:fld id="{3510B498-9D4D-4FAD-891F-E57FF8B5A028}" type="datetimeFigureOut">
               <a:rPr lang="en-US" smtClean="0"/>
-              <a:t>11/23/19</a:t>
+              <a:t>11/28/19</a:t>
             </a:fld>
             <a:endParaRPr lang="en-US"/>
           </a:p>
@@ -1239,7 +1239,7 @@
           <a:p>
             <a:fld id="{3510B498-9D4D-4FAD-891F-E57FF8B5A028}" type="datetimeFigureOut">
               <a:rPr lang="en-US" smtClean="0"/>
-              <a:t>11/23/19</a:t>
+              <a:t>11/28/19</a:t>
             </a:fld>
             <a:endParaRPr lang="en-US"/>
           </a:p>
@@ -1606,7 +1606,7 @@
           <a:p>
             <a:fld id="{3510B498-9D4D-4FAD-891F-E57FF8B5A028}" type="datetimeFigureOut">
               <a:rPr lang="en-US" smtClean="0"/>
-              <a:t>11/23/19</a:t>
+              <a:t>11/28/19</a:t>
             </a:fld>
             <a:endParaRPr lang="en-US"/>
           </a:p>
@@ -1724,7 +1724,7 @@
           <a:p>
             <a:fld id="{3510B498-9D4D-4FAD-891F-E57FF8B5A028}" type="datetimeFigureOut">
               <a:rPr lang="en-US" smtClean="0"/>
-              <a:t>11/23/19</a:t>
+              <a:t>11/28/19</a:t>
             </a:fld>
             <a:endParaRPr lang="en-US"/>
           </a:p>
@@ -1819,7 +1819,7 @@
           <a:p>
             <a:fld id="{3510B498-9D4D-4FAD-891F-E57FF8B5A028}" type="datetimeFigureOut">
               <a:rPr lang="en-US" smtClean="0"/>
-              <a:t>11/23/19</a:t>
+              <a:t>11/28/19</a:t>
             </a:fld>
             <a:endParaRPr lang="en-US"/>
           </a:p>
@@ -2096,7 +2096,7 @@
           <a:p>
             <a:fld id="{3510B498-9D4D-4FAD-891F-E57FF8B5A028}" type="datetimeFigureOut">
               <a:rPr lang="en-US" smtClean="0"/>
-              <a:t>11/23/19</a:t>
+              <a:t>11/28/19</a:t>
             </a:fld>
             <a:endParaRPr lang="en-US"/>
           </a:p>
@@ -2353,7 +2353,7 @@
           <a:p>
             <a:fld id="{3510B498-9D4D-4FAD-891F-E57FF8B5A028}" type="datetimeFigureOut">
               <a:rPr lang="en-US" smtClean="0"/>
-              <a:t>11/23/19</a:t>
+              <a:t>11/28/19</a:t>
             </a:fld>
             <a:endParaRPr lang="en-US"/>
           </a:p>
@@ -2566,7 +2566,7 @@
           <a:p>
             <a:fld id="{3510B498-9D4D-4FAD-891F-E57FF8B5A028}" type="datetimeFigureOut">
               <a:rPr lang="en-US" smtClean="0"/>
-              <a:t>11/23/19</a:t>
+              <a:t>11/28/19</a:t>
             </a:fld>
             <a:endParaRPr lang="en-US"/>
           </a:p>
@@ -2976,7 +2976,7 @@
           <p:cNvPr id="11" name="Rectangle 10">
             <a:extLst>
               <a:ext uri="{FF2B5EF4-FFF2-40B4-BE49-F238E27FC236}">
-                <a16:creationId xmlns="" xmlns:a16="http://schemas.microsoft.com/office/drawing/2014/main" id="{0D074D9C-0647-4697-8C43-9C38EB7E0278}"/>
+                <a16:creationId xmlns:a16="http://schemas.microsoft.com/office/drawing/2014/main" xmlns="" id="{0D074D9C-0647-4697-8C43-9C38EB7E0278}"/>
               </a:ext>
             </a:extLst>
           </p:cNvPr>
@@ -3019,7 +3019,7 @@
           <a:lstStyle/>
           <a:p>
             <a:pPr algn="ctr"/>
-            <a:endParaRPr lang="en-US"/>
+            <a:endParaRPr lang="en-US" dirty="0"/>
           </a:p>
         </p:txBody>
       </p:sp>
@@ -3028,7 +3028,7 @@
           <p:cNvPr id="5" name="TextBox 4">
             <a:extLst>
               <a:ext uri="{FF2B5EF4-FFF2-40B4-BE49-F238E27FC236}">
-                <a16:creationId xmlns="" xmlns:a16="http://schemas.microsoft.com/office/drawing/2014/main" id="{F98AF760-C359-4592-BF1F-0C7A94DA9F89}"/>
+                <a16:creationId xmlns:a16="http://schemas.microsoft.com/office/drawing/2014/main" xmlns="" id="{F98AF760-C359-4592-BF1F-0C7A94DA9F89}"/>
               </a:ext>
             </a:extLst>
           </p:cNvPr>
@@ -3037,8 +3037,8 @@
         </p:nvSpPr>
         <p:spPr>
           <a:xfrm>
-            <a:off x="1643044" y="15364446"/>
-            <a:ext cx="9482156" cy="17500175"/>
+            <a:off x="1117600" y="14805646"/>
+            <a:ext cx="9499600" cy="17500175"/>
           </a:xfrm>
           <a:prstGeom prst="rect">
             <a:avLst/>
@@ -3090,105 +3090,87 @@
                 <a:latin typeface="Lato" panose="020F0502020204030203" pitchFamily="34" charset="0"/>
                 <a:cs typeface="Arial" panose="020B0604020202020204" pitchFamily="34" charset="0"/>
               </a:rPr>
-              <a:t>How </a:t>
-            </a:r>
+              <a:t>How do we provide user grounded metrics for motions of model interpretability? </a:t>
+            </a:r>
+          </a:p>
+          <a:p>
+            <a:pPr marL="571500" indent="-571500">
+              <a:lnSpc>
+                <a:spcPct val="120000"/>
+              </a:lnSpc>
+              <a:buFont typeface="Arial" panose="020B0604020202020204" pitchFamily="34" charset="0"/>
+              <a:buChar char="•"/>
+            </a:pPr>
             <a:r>
               <a:rPr lang="en-US" sz="4800" dirty="0" smtClean="0">
                 <a:latin typeface="Lato" panose="020F0502020204030203" pitchFamily="34" charset="0"/>
                 <a:cs typeface="Arial" panose="020B0604020202020204" pitchFamily="34" charset="0"/>
               </a:rPr>
-              <a:t>do </a:t>
+              <a:t>We focus on </a:t>
+            </a:r>
+            <a:r>
+              <a:rPr lang="en-US" sz="4800" i="1" dirty="0" err="1" smtClean="0">
+                <a:latin typeface="Lato" panose="020F0502020204030203" pitchFamily="34" charset="0"/>
+                <a:cs typeface="Arial" panose="020B0604020202020204" pitchFamily="34" charset="0"/>
+              </a:rPr>
+              <a:t>simulatibility</a:t>
+            </a:r>
+            <a:r>
+              <a:rPr lang="en-US" sz="4800" i="1" dirty="0" smtClean="0">
+                <a:latin typeface="Lato" panose="020F0502020204030203" pitchFamily="34" charset="0"/>
+                <a:cs typeface="Arial" panose="020B0604020202020204" pitchFamily="34" charset="0"/>
+              </a:rPr>
+              <a:t> </a:t>
             </a:r>
             <a:r>
               <a:rPr lang="en-US" sz="4800" dirty="0" smtClean="0">
                 <a:latin typeface="Lato" panose="020F0502020204030203" pitchFamily="34" charset="0"/>
                 <a:cs typeface="Arial" panose="020B0604020202020204" pitchFamily="34" charset="0"/>
               </a:rPr>
-              <a:t>we provide user grounded metrics for motions of model interpretability? </a:t>
-            </a:r>
-          </a:p>
-          <a:p>
-            <a:pPr marL="571500" indent="-571500">
-              <a:lnSpc>
-                <a:spcPct val="120000"/>
-              </a:lnSpc>
-              <a:buFont typeface="Arial" panose="020B0604020202020204" pitchFamily="34" charset="0"/>
-              <a:buChar char="•"/>
-            </a:pPr>
+              <a:t>(ability to trace computation of input)</a:t>
+            </a:r>
+            <a:r>
+              <a:rPr lang="en-US" sz="4800" i="1" dirty="0" smtClean="0">
+                <a:latin typeface="Lato" panose="020F0502020204030203" pitchFamily="34" charset="0"/>
+                <a:cs typeface="Arial" panose="020B0604020202020204" pitchFamily="34" charset="0"/>
+              </a:rPr>
+              <a:t> </a:t>
+            </a:r>
             <a:r>
               <a:rPr lang="en-US" sz="4800" dirty="0" smtClean="0">
                 <a:latin typeface="Lato" panose="020F0502020204030203" pitchFamily="34" charset="0"/>
                 <a:cs typeface="Arial" panose="020B0604020202020204" pitchFamily="34" charset="0"/>
               </a:rPr>
-              <a:t>We focus on </a:t>
-            </a:r>
-            <a:r>
-              <a:rPr lang="en-US" sz="4800" i="1" dirty="0" err="1" smtClean="0">
-                <a:latin typeface="Lato" panose="020F0502020204030203" pitchFamily="34" charset="0"/>
-                <a:cs typeface="Arial" panose="020B0604020202020204" pitchFamily="34" charset="0"/>
-              </a:rPr>
-              <a:t>simulatibility</a:t>
+              <a:t>and </a:t>
             </a:r>
             <a:r>
               <a:rPr lang="en-US" sz="4800" i="1" dirty="0" smtClean="0">
                 <a:latin typeface="Lato" panose="020F0502020204030203" pitchFamily="34" charset="0"/>
                 <a:cs typeface="Arial" panose="020B0604020202020204" pitchFamily="34" charset="0"/>
               </a:rPr>
-              <a:t> </a:t>
+              <a:t>“what if” </a:t>
             </a:r>
             <a:r>
               <a:rPr lang="en-US" sz="4800" dirty="0" smtClean="0">
                 <a:latin typeface="Lato" panose="020F0502020204030203" pitchFamily="34" charset="0"/>
                 <a:cs typeface="Arial" panose="020B0604020202020204" pitchFamily="34" charset="0"/>
               </a:rPr>
-              <a:t>(ability to trace computation of input)</a:t>
-            </a:r>
-            <a:r>
-              <a:rPr lang="en-US" sz="4800" i="1" dirty="0" smtClean="0">
+              <a:t>local </a:t>
+            </a:r>
+            <a:r>
+              <a:rPr lang="en-US" sz="4800" dirty="0" err="1" smtClean="0">
                 <a:latin typeface="Lato" panose="020F0502020204030203" pitchFamily="34" charset="0"/>
                 <a:cs typeface="Arial" panose="020B0604020202020204" pitchFamily="34" charset="0"/>
               </a:rPr>
-              <a:t> </a:t>
+              <a:t>explainability</a:t>
             </a:r>
             <a:r>
               <a:rPr lang="en-US" sz="4800" dirty="0" smtClean="0">
                 <a:latin typeface="Lato" panose="020F0502020204030203" pitchFamily="34" charset="0"/>
                 <a:cs typeface="Arial" panose="020B0604020202020204" pitchFamily="34" charset="0"/>
               </a:rPr>
-              <a:t>and </a:t>
-            </a:r>
-            <a:r>
-              <a:rPr lang="en-US" sz="4800" i="1" dirty="0" smtClean="0">
-                <a:latin typeface="Lato" panose="020F0502020204030203" pitchFamily="34" charset="0"/>
-                <a:cs typeface="Arial" panose="020B0604020202020204" pitchFamily="34" charset="0"/>
-              </a:rPr>
-              <a:t>“what if” </a:t>
-            </a:r>
-            <a:r>
-              <a:rPr lang="en-US" sz="4800" dirty="0" smtClean="0">
-                <a:latin typeface="Lato" panose="020F0502020204030203" pitchFamily="34" charset="0"/>
-                <a:cs typeface="Arial" panose="020B0604020202020204" pitchFamily="34" charset="0"/>
-              </a:rPr>
-              <a:t>local </a:t>
-            </a:r>
-            <a:r>
-              <a:rPr lang="en-US" sz="4800" dirty="0" err="1" smtClean="0">
-                <a:latin typeface="Lato" panose="020F0502020204030203" pitchFamily="34" charset="0"/>
-                <a:cs typeface="Arial" panose="020B0604020202020204" pitchFamily="34" charset="0"/>
-              </a:rPr>
-              <a:t>explainability</a:t>
-            </a:r>
-            <a:r>
-              <a:rPr lang="en-US" sz="4800" dirty="0" smtClean="0">
-                <a:latin typeface="Lato" panose="020F0502020204030203" pitchFamily="34" charset="0"/>
-                <a:cs typeface="Arial" panose="020B0604020202020204" pitchFamily="34" charset="0"/>
-              </a:rPr>
               <a:t> (determine local changes on input).</a:t>
             </a:r>
-            <a:endParaRPr lang="en-US" sz="4800" dirty="0" smtClean="0">
-              <a:latin typeface="Lato" panose="020F0502020204030203" pitchFamily="34" charset="0"/>
-              <a:cs typeface="Arial" panose="020B0604020202020204" pitchFamily="34" charset="0"/>
-            </a:endParaRPr>
           </a:p>
           <a:p>
             <a:pPr>
@@ -3234,61 +3216,50 @@
                 <a:latin typeface="Lato Black" panose="020F0A02020204030203" pitchFamily="34" charset="0"/>
                 <a:cs typeface="Arial" panose="020B0604020202020204" pitchFamily="34" charset="0"/>
               </a:rPr>
-              <a:t>We </a:t>
+              <a:t>We assess </a:t>
+            </a:r>
+            <a:r>
+              <a:rPr lang="en-US" sz="4800" i="1" dirty="0" smtClean="0">
+                <a:latin typeface="Lato Black" panose="020F0A02020204030203" pitchFamily="34" charset="0"/>
+                <a:cs typeface="Arial" panose="020B0604020202020204" pitchFamily="34" charset="0"/>
+              </a:rPr>
+              <a:t>runtime operation count </a:t>
             </a:r>
             <a:r>
               <a:rPr lang="en-US" sz="4800" dirty="0" smtClean="0">
                 <a:latin typeface="Lato Black" panose="020F0A02020204030203" pitchFamily="34" charset="0"/>
                 <a:cs typeface="Arial" panose="020B0604020202020204" pitchFamily="34" charset="0"/>
               </a:rPr>
-              <a:t>assess </a:t>
+              <a:t>as a proxy metric for our proposed notions of interpretability in </a:t>
             </a:r>
             <a:r>
               <a:rPr lang="en-US" sz="4800" i="1" dirty="0" smtClean="0">
                 <a:latin typeface="Lato Black" panose="020F0A02020204030203" pitchFamily="34" charset="0"/>
                 <a:cs typeface="Arial" panose="020B0604020202020204" pitchFamily="34" charset="0"/>
               </a:rPr>
-              <a:t>runtime operation count </a:t>
+              <a:t>decision trees, logistic regression, and (small) </a:t>
+            </a:r>
+            <a:r>
+              <a:rPr lang="en-US" sz="4800" i="1" dirty="0" err="1" smtClean="0">
+                <a:latin typeface="Lato Black" panose="020F0A02020204030203" pitchFamily="34" charset="0"/>
+                <a:cs typeface="Arial" panose="020B0604020202020204" pitchFamily="34" charset="0"/>
+              </a:rPr>
+              <a:t>feedforward</a:t>
+            </a:r>
+            <a:r>
+              <a:rPr lang="en-US" sz="4800" i="1" dirty="0" smtClean="0">
+                <a:latin typeface="Lato Black" panose="020F0A02020204030203" pitchFamily="34" charset="0"/>
+                <a:cs typeface="Arial" panose="020B0604020202020204" pitchFamily="34" charset="0"/>
+              </a:rPr>
+              <a:t> neural networks </a:t>
             </a:r>
             <a:r>
               <a:rPr lang="en-US" sz="4800" dirty="0" smtClean="0">
                 <a:latin typeface="Lato Black" panose="020F0A02020204030203" pitchFamily="34" charset="0"/>
                 <a:cs typeface="Arial" panose="020B0604020202020204" pitchFamily="34" charset="0"/>
               </a:rPr>
-              <a:t>as a proxy metric for our proposed notions of interpretability in </a:t>
-            </a:r>
-            <a:r>
-              <a:rPr lang="en-US" sz="4800" i="1" dirty="0" smtClean="0">
-                <a:latin typeface="Lato Black" panose="020F0A02020204030203" pitchFamily="34" charset="0"/>
-                <a:cs typeface="Arial" panose="020B0604020202020204" pitchFamily="34" charset="0"/>
-              </a:rPr>
-              <a:t>decision trees, logistic regression, and (small) </a:t>
-            </a:r>
-            <a:r>
-              <a:rPr lang="en-US" sz="4800" i="1" dirty="0" err="1" smtClean="0">
-                <a:latin typeface="Lato Black" panose="020F0A02020204030203" pitchFamily="34" charset="0"/>
-                <a:cs typeface="Arial" panose="020B0604020202020204" pitchFamily="34" charset="0"/>
-              </a:rPr>
-              <a:t>feedforward</a:t>
-            </a:r>
-            <a:r>
-              <a:rPr lang="en-US" sz="4800" i="1" dirty="0" smtClean="0">
-                <a:latin typeface="Lato Black" panose="020F0A02020204030203" pitchFamily="34" charset="0"/>
-                <a:cs typeface="Arial" panose="020B0604020202020204" pitchFamily="34" charset="0"/>
-              </a:rPr>
-              <a:t> neural networks </a:t>
-            </a:r>
-            <a:r>
-              <a:rPr lang="en-US" sz="4800" dirty="0" smtClean="0">
-                <a:latin typeface="Lato Black" panose="020F0A02020204030203" pitchFamily="34" charset="0"/>
-                <a:cs typeface="Arial" panose="020B0604020202020204" pitchFamily="34" charset="0"/>
-              </a:rPr>
               <a:t>using a 1,000 person user study.</a:t>
             </a:r>
-            <a:endParaRPr lang="en-US" sz="4800" dirty="0" smtClean="0">
-              <a:latin typeface="Lato Black" panose="020F0A02020204030203" pitchFamily="34" charset="0"/>
-              <a:cs typeface="Arial" panose="020B0604020202020204" pitchFamily="34" charset="0"/>
-            </a:endParaRPr>
           </a:p>
           <a:p>
             <a:pPr>
@@ -3308,7 +3279,7 @@
           <p:cNvPr id="6" name="TextBox 5">
             <a:extLst>
               <a:ext uri="{FF2B5EF4-FFF2-40B4-BE49-F238E27FC236}">
-                <a16:creationId xmlns="" xmlns:a16="http://schemas.microsoft.com/office/drawing/2014/main" id="{1E1E7EF1-9C6B-4FC5-9AB8-52260F86FE16}"/>
+                <a16:creationId xmlns:a16="http://schemas.microsoft.com/office/drawing/2014/main" xmlns="" id="{1E1E7EF1-9C6B-4FC5-9AB8-52260F86FE16}"/>
               </a:ext>
             </a:extLst>
           </p:cNvPr>
@@ -3363,10 +3334,10 @@
       </p:sp>
       <p:sp>
         <p:nvSpPr>
-          <p:cNvPr id="8" name="Graphic 18">
+          <p:cNvPr id="10" name="Rectangle 9">
             <a:extLst>
               <a:ext uri="{FF2B5EF4-FFF2-40B4-BE49-F238E27FC236}">
-                <a16:creationId xmlns="" xmlns:a16="http://schemas.microsoft.com/office/drawing/2014/main" id="{AEDBCDB9-CB31-46F9-BCA9-A3365D112F83}"/>
+                <a16:creationId xmlns:a16="http://schemas.microsoft.com/office/drawing/2014/main" xmlns="" id="{030386EC-D1AC-48D0-B2EC-0AD1DA88A8AB}"/>
               </a:ext>
             </a:extLst>
           </p:cNvPr>
@@ -3375,212 +3346,8 @@
         </p:nvSpPr>
         <p:spPr>
           <a:xfrm>
-            <a:off x="4067138" y="9497184"/>
-            <a:ext cx="360430" cy="335196"/>
-          </a:xfrm>
-          <a:custGeom>
-            <a:avLst/>
-            <a:gdLst>
-              <a:gd name="connsiteX0" fmla="*/ 310594 w 327663"/>
-              <a:gd name="connsiteY0" fmla="*/ 219906 h 335196"/>
-              <a:gd name="connsiteX1" fmla="*/ 246568 w 327663"/>
-              <a:gd name="connsiteY1" fmla="*/ 176217 h 335196"/>
-              <a:gd name="connsiteX2" fmla="*/ 212295 w 327663"/>
-              <a:gd name="connsiteY2" fmla="*/ 176217 h 335196"/>
-              <a:gd name="connsiteX3" fmla="*/ 165217 w 327663"/>
-              <a:gd name="connsiteY3" fmla="*/ 189022 h 335196"/>
-              <a:gd name="connsiteX4" fmla="*/ 118138 w 327663"/>
-              <a:gd name="connsiteY4" fmla="*/ 176217 h 335196"/>
-              <a:gd name="connsiteX5" fmla="*/ 83866 w 327663"/>
-              <a:gd name="connsiteY5" fmla="*/ 176217 h 335196"/>
-              <a:gd name="connsiteX6" fmla="*/ 19839 w 327663"/>
-              <a:gd name="connsiteY6" fmla="*/ 219906 h 335196"/>
-              <a:gd name="connsiteX7" fmla="*/ 1385 w 327663"/>
-              <a:gd name="connsiteY7" fmla="*/ 299750 h 335196"/>
-              <a:gd name="connsiteX8" fmla="*/ 165970 w 327663"/>
-              <a:gd name="connsiteY8" fmla="*/ 335529 h 335196"/>
-              <a:gd name="connsiteX9" fmla="*/ 329802 w 327663"/>
-              <a:gd name="connsiteY9" fmla="*/ 299750 h 335196"/>
-              <a:gd name="connsiteX10" fmla="*/ 310594 w 327663"/>
-              <a:gd name="connsiteY10" fmla="*/ 219906 h 335196"/>
-              <a:gd name="connsiteX11" fmla="*/ 165593 w 327663"/>
-              <a:gd name="connsiteY11" fmla="*/ 154749 h 335196"/>
-              <a:gd name="connsiteX12" fmla="*/ 242425 w 327663"/>
-              <a:gd name="connsiteY12" fmla="*/ 77918 h 335196"/>
-              <a:gd name="connsiteX13" fmla="*/ 165593 w 327663"/>
-              <a:gd name="connsiteY13" fmla="*/ 1086 h 335196"/>
-              <a:gd name="connsiteX14" fmla="*/ 88762 w 327663"/>
-              <a:gd name="connsiteY14" fmla="*/ 77918 h 335196"/>
-              <a:gd name="connsiteX15" fmla="*/ 165593 w 327663"/>
-              <a:gd name="connsiteY15" fmla="*/ 154749 h 335196"/>
-            </a:gdLst>
-            <a:ahLst/>
-            <a:cxnLst>
-              <a:cxn ang="0">
-                <a:pos x="connsiteX0" y="connsiteY0"/>
-              </a:cxn>
-              <a:cxn ang="0">
-                <a:pos x="connsiteX1" y="connsiteY1"/>
-              </a:cxn>
-              <a:cxn ang="0">
-                <a:pos x="connsiteX2" y="connsiteY2"/>
-              </a:cxn>
-              <a:cxn ang="0">
-                <a:pos x="connsiteX3" y="connsiteY3"/>
-              </a:cxn>
-              <a:cxn ang="0">
-                <a:pos x="connsiteX4" y="connsiteY4"/>
-              </a:cxn>
-              <a:cxn ang="0">
-                <a:pos x="connsiteX5" y="connsiteY5"/>
-              </a:cxn>
-              <a:cxn ang="0">
-                <a:pos x="connsiteX6" y="connsiteY6"/>
-              </a:cxn>
-              <a:cxn ang="0">
-                <a:pos x="connsiteX7" y="connsiteY7"/>
-              </a:cxn>
-              <a:cxn ang="0">
-                <a:pos x="connsiteX8" y="connsiteY8"/>
-              </a:cxn>
-              <a:cxn ang="0">
-                <a:pos x="connsiteX9" y="connsiteY9"/>
-              </a:cxn>
-              <a:cxn ang="0">
-                <a:pos x="connsiteX10" y="connsiteY10"/>
-              </a:cxn>
-              <a:cxn ang="0">
-                <a:pos x="connsiteX11" y="connsiteY11"/>
-              </a:cxn>
-              <a:cxn ang="0">
-                <a:pos x="connsiteX12" y="connsiteY12"/>
-              </a:cxn>
-              <a:cxn ang="0">
-                <a:pos x="connsiteX13" y="connsiteY13"/>
-              </a:cxn>
-              <a:cxn ang="0">
-                <a:pos x="connsiteX14" y="connsiteY14"/>
-              </a:cxn>
-              <a:cxn ang="0">
-                <a:pos x="connsiteX15" y="connsiteY15"/>
-              </a:cxn>
-            </a:cxnLst>
-            <a:rect l="l" t="t" r="r" b="b"/>
-            <a:pathLst>
-              <a:path w="327663" h="335196">
-                <a:moveTo>
-                  <a:pt x="310594" y="219906"/>
-                </a:moveTo>
-                <a:cubicBezTo>
-                  <a:pt x="287243" y="179983"/>
-                  <a:pt x="246568" y="176217"/>
-                  <a:pt x="246568" y="176217"/>
-                </a:cubicBezTo>
-                <a:lnTo>
-                  <a:pt x="212295" y="176217"/>
-                </a:lnTo>
-                <a:cubicBezTo>
-                  <a:pt x="198360" y="184126"/>
-                  <a:pt x="182541" y="189022"/>
-                  <a:pt x="165217" y="189022"/>
-                </a:cubicBezTo>
-                <a:cubicBezTo>
-                  <a:pt x="147892" y="189022"/>
-                  <a:pt x="132074" y="184503"/>
-                  <a:pt x="118138" y="176217"/>
-                </a:cubicBezTo>
-                <a:lnTo>
-                  <a:pt x="83866" y="176217"/>
-                </a:lnTo>
-                <a:cubicBezTo>
-                  <a:pt x="83866" y="176217"/>
-                  <a:pt x="43190" y="179983"/>
-                  <a:pt x="19839" y="219906"/>
-                </a:cubicBezTo>
-                <a:cubicBezTo>
-                  <a:pt x="-2758" y="259828"/>
-                  <a:pt x="1385" y="299750"/>
-                  <a:pt x="1385" y="299750"/>
-                </a:cubicBezTo>
-                <a:cubicBezTo>
-                  <a:pt x="1385" y="299750"/>
-                  <a:pt x="37164" y="335529"/>
-                  <a:pt x="165970" y="335529"/>
-                </a:cubicBezTo>
-                <a:cubicBezTo>
-                  <a:pt x="294776" y="335529"/>
-                  <a:pt x="329802" y="299750"/>
-                  <a:pt x="329802" y="299750"/>
-                </a:cubicBezTo>
-                <a:cubicBezTo>
-                  <a:pt x="329802" y="299750"/>
-                  <a:pt x="333945" y="259828"/>
-                  <a:pt x="310594" y="219906"/>
-                </a:cubicBezTo>
-                <a:close/>
-                <a:moveTo>
-                  <a:pt x="165593" y="154749"/>
-                </a:moveTo>
-                <a:cubicBezTo>
-                  <a:pt x="208152" y="154749"/>
-                  <a:pt x="242425" y="120477"/>
-                  <a:pt x="242425" y="77918"/>
-                </a:cubicBezTo>
-                <a:cubicBezTo>
-                  <a:pt x="242425" y="35359"/>
-                  <a:pt x="208152" y="1086"/>
-                  <a:pt x="165593" y="1086"/>
-                </a:cubicBezTo>
-                <a:cubicBezTo>
-                  <a:pt x="123035" y="1086"/>
-                  <a:pt x="88762" y="35736"/>
-                  <a:pt x="88762" y="77918"/>
-                </a:cubicBezTo>
-                <a:cubicBezTo>
-                  <a:pt x="88762" y="120477"/>
-                  <a:pt x="123035" y="154749"/>
-                  <a:pt x="165593" y="154749"/>
-                </a:cubicBezTo>
-                <a:close/>
-              </a:path>
-            </a:pathLst>
-          </a:custGeom>
-          <a:solidFill>
-            <a:schemeClr val="tx1">
-              <a:lumMod val="50000"/>
-              <a:lumOff val="50000"/>
-            </a:schemeClr>
-          </a:solidFill>
-          <a:ln w="3663" cap="flat">
-            <a:noFill/>
-            <a:prstDash val="solid"/>
-            <a:miter/>
-          </a:ln>
-        </p:spPr>
-        <p:txBody>
-          <a:bodyPr rtlCol="0" anchor="ctr"/>
-          <a:lstStyle/>
-          <a:p>
-            <a:endParaRPr lang="en-US"/>
-          </a:p>
-        </p:txBody>
-      </p:sp>
-      <p:sp>
-        <p:nvSpPr>
-          <p:cNvPr id="10" name="Rectangle 9">
-            <a:extLst>
-              <a:ext uri="{FF2B5EF4-FFF2-40B4-BE49-F238E27FC236}">
-                <a16:creationId xmlns="" xmlns:a16="http://schemas.microsoft.com/office/drawing/2014/main" id="{030386EC-D1AC-48D0-B2EC-0AD1DA88A8AB}"/>
-              </a:ext>
-            </a:extLst>
-          </p:cNvPr>
-          <p:cNvSpPr/>
-          <p:nvPr/>
-        </p:nvSpPr>
-        <p:spPr>
-          <a:xfrm>
             <a:off x="0" y="0"/>
-            <a:ext cx="32004000" cy="10769600"/>
+            <a:ext cx="32004000" cy="9194800"/>
           </a:xfrm>
           <a:prstGeom prst="rect">
             <a:avLst/>
@@ -3622,7 +3389,7 @@
           <p:cNvPr id="2" name="Rectangle 1">
             <a:extLst>
               <a:ext uri="{FF2B5EF4-FFF2-40B4-BE49-F238E27FC236}">
-                <a16:creationId xmlns="" xmlns:a16="http://schemas.microsoft.com/office/drawing/2014/main" id="{699EE2F9-E368-471F-966F-6846CB3D7866}"/>
+                <a16:creationId xmlns:a16="http://schemas.microsoft.com/office/drawing/2014/main" xmlns="" id="{699EE2F9-E368-471F-966F-6846CB3D7866}"/>
               </a:ext>
             </a:extLst>
           </p:cNvPr>
@@ -3631,7 +3398,7 @@
         </p:nvSpPr>
         <p:spPr>
           <a:xfrm>
-            <a:off x="1643044" y="1399778"/>
+            <a:off x="1643044" y="790178"/>
             <a:ext cx="28717912" cy="7671331"/>
           </a:xfrm>
           <a:prstGeom prst="rect">
@@ -3680,7 +3447,7 @@
           <p:cNvPr id="3" name="Rectangle 2">
             <a:extLst>
               <a:ext uri="{FF2B5EF4-FFF2-40B4-BE49-F238E27FC236}">
-                <a16:creationId xmlns="" xmlns:a16="http://schemas.microsoft.com/office/drawing/2014/main" id="{643038D2-6694-4FF1-AFD6-35D55E87C41A}"/>
+                <a16:creationId xmlns:a16="http://schemas.microsoft.com/office/drawing/2014/main" xmlns="" id="{643038D2-6694-4FF1-AFD6-35D55E87C41A}"/>
               </a:ext>
             </a:extLst>
           </p:cNvPr>
@@ -3689,8 +3456,8 @@
         </p:nvSpPr>
         <p:spPr>
           <a:xfrm>
-            <a:off x="11442198" y="14905087"/>
-            <a:ext cx="8217402" cy="10704468"/>
+            <a:off x="11086598" y="16835487"/>
+            <a:ext cx="8674602" cy="10704468"/>
           </a:xfrm>
           <a:prstGeom prst="rect">
             <a:avLst/>
@@ -3851,7 +3618,7 @@
           <p:cNvPr id="16" name="TextBox 15">
             <a:extLst>
               <a:ext uri="{FF2B5EF4-FFF2-40B4-BE49-F238E27FC236}">
-                <a16:creationId xmlns="" xmlns:a16="http://schemas.microsoft.com/office/drawing/2014/main" id="{FEF09AAC-A47D-43E5-A106-FABBAC32BA3E}"/>
+                <a16:creationId xmlns:a16="http://schemas.microsoft.com/office/drawing/2014/main" xmlns="" id="{FEF09AAC-A47D-43E5-A106-FABBAC32BA3E}"/>
               </a:ext>
             </a:extLst>
           </p:cNvPr>
@@ -3860,8 +3627,8 @@
         </p:nvSpPr>
         <p:spPr>
           <a:xfrm>
-            <a:off x="1601732" y="11080750"/>
-            <a:ext cx="28979868" cy="2554545"/>
+            <a:off x="1219200" y="9404350"/>
+            <a:ext cx="31038800" cy="2554545"/>
           </a:xfrm>
           <a:prstGeom prst="rect">
             <a:avLst/>
@@ -3897,7 +3664,7 @@
           <p:cNvPr id="22" name="TextBox 21">
             <a:extLst>
               <a:ext uri="{FF2B5EF4-FFF2-40B4-BE49-F238E27FC236}">
-                <a16:creationId xmlns="" xmlns:a16="http://schemas.microsoft.com/office/drawing/2014/main" id="{5BAD9AF1-DB1F-458B-8FD1-3E2EA4A57D8C}"/>
+                <a16:creationId xmlns:a16="http://schemas.microsoft.com/office/drawing/2014/main" xmlns="" id="{5BAD9AF1-DB1F-458B-8FD1-3E2EA4A57D8C}"/>
               </a:ext>
             </a:extLst>
           </p:cNvPr>
@@ -3906,8 +3673,8 @@
         </p:nvSpPr>
         <p:spPr>
           <a:xfrm>
-            <a:off x="1631028" y="13598493"/>
-            <a:ext cx="17012572" cy="1754327"/>
+            <a:off x="1173828" y="12023693"/>
+            <a:ext cx="10052972" cy="2585323"/>
           </a:xfrm>
           <a:prstGeom prst="rect">
             <a:avLst/>
@@ -4004,7 +3771,40 @@
                 <a:latin typeface="Lato" panose="020F0502020204030203" pitchFamily="34" charset="0"/>
                 <a:cs typeface="Lato" panose="020F0502020204030203" pitchFamily="34" charset="0"/>
               </a:rPr>
-              <a:t>, Carlos </a:t>
+              <a:t>, </a:t>
+            </a:r>
+            <a:endParaRPr lang="en-US" sz="5400" b="1" dirty="0" smtClean="0">
+              <a:solidFill>
+                <a:srgbClr val="000000"/>
+              </a:solidFill>
+              <a:highlight>
+                <a:srgbClr val="FFD54F"/>
+              </a:highlight>
+              <a:latin typeface="Lato" panose="020F0502020204030203" pitchFamily="34" charset="0"/>
+              <a:cs typeface="Lato" panose="020F0502020204030203" pitchFamily="34" charset="0"/>
+            </a:endParaRPr>
+          </a:p>
+          <a:p>
+            <a:pPr>
+              <a:lnSpc>
+                <a:spcPct val="100000"/>
+              </a:lnSpc>
+              <a:spcBef>
+                <a:spcPts val="0"/>
+              </a:spcBef>
+            </a:pPr>
+            <a:r>
+              <a:rPr lang="en-US" sz="5400" b="1" dirty="0" smtClean="0">
+                <a:solidFill>
+                  <a:srgbClr val="000000"/>
+                </a:solidFill>
+                <a:highlight>
+                  <a:srgbClr val="FFD54F"/>
+                </a:highlight>
+                <a:latin typeface="Lato" panose="020F0502020204030203" pitchFamily="34" charset="0"/>
+                <a:cs typeface="Lato" panose="020F0502020204030203" pitchFamily="34" charset="0"/>
+              </a:rPr>
+              <a:t>Carlos </a:t>
             </a:r>
             <a:r>
               <a:rPr lang="en-US" sz="5400" b="1" dirty="0" err="1" smtClean="0">
@@ -4169,7 +3969,7 @@
       </p:pic>
       <p:pic>
         <p:nvPicPr>
-          <p:cNvPr id="15" name="Picture 14" descr="qr-code (2).png"/>
+          <p:cNvPr id="20" name="Picture 19" descr="Screen Shot 2019-11-24 at 1.42.47 PM.jpg"/>
           <p:cNvPicPr>
             <a:picLocks noChangeAspect="1"/>
           </p:cNvPicPr>
@@ -4189,8 +3989,8 @@
         </p:blipFill>
         <p:spPr>
           <a:xfrm>
-            <a:off x="25501600" y="32867600"/>
-            <a:ext cx="6146800" cy="6146800"/>
+            <a:off x="11220450" y="19424649"/>
+            <a:ext cx="7677150" cy="12621166"/>
           </a:xfrm>
           <a:prstGeom prst="rect">
             <a:avLst/>
@@ -4199,7 +3999,7 @@
       </p:pic>
       <p:pic>
         <p:nvPicPr>
-          <p:cNvPr id="20" name="Picture 19" descr="Screen Shot 2019-11-24 at 1.42.47 PM.jpg"/>
+          <p:cNvPr id="25" name="Picture 24" descr="Screen Shot 2019-11-24 at 1.49.33 PM.jpg"/>
           <p:cNvPicPr>
             <a:picLocks noChangeAspect="1"/>
           </p:cNvPicPr>
@@ -4219,17 +4019,181 @@
         </p:blipFill>
         <p:spPr>
           <a:xfrm>
-            <a:off x="11372850" y="17646649"/>
-            <a:ext cx="7677150" cy="12621166"/>
+            <a:off x="19108210" y="12649200"/>
+            <a:ext cx="12590990" cy="6181212"/>
           </a:xfrm>
           <a:prstGeom prst="rect">
             <a:avLst/>
           </a:prstGeom>
         </p:spPr>
       </p:pic>
+      <p:sp>
+        <p:nvSpPr>
+          <p:cNvPr id="27" name="Rectangle 26">
+            <a:extLst>
+              <a:ext uri="{FF2B5EF4-FFF2-40B4-BE49-F238E27FC236}">
+                <a16:creationId xmlns:a16="http://schemas.microsoft.com/office/drawing/2014/main" xmlns="" id="{643038D2-6694-4FF1-AFD6-35D55E87C41A}"/>
+              </a:ext>
+            </a:extLst>
+          </p:cNvPr>
+          <p:cNvSpPr/>
+          <p:nvPr/>
+        </p:nvSpPr>
+        <p:spPr>
+          <a:xfrm>
+            <a:off x="19112998" y="10688687"/>
+            <a:ext cx="11976602" cy="10704468"/>
+          </a:xfrm>
+          <a:prstGeom prst="rect">
+            <a:avLst/>
+          </a:prstGeom>
+        </p:spPr>
+        <p:txBody>
+          <a:bodyPr wrap="square">
+            <a:spAutoFit/>
+          </a:bodyPr>
+          <a:lstStyle/>
+          <a:p>
+            <a:pPr>
+              <a:lnSpc>
+                <a:spcPct val="120000"/>
+              </a:lnSpc>
+            </a:pPr>
+            <a:r>
+              <a:rPr lang="en-US" sz="4800" b="1" dirty="0" smtClean="0">
+                <a:solidFill>
+                  <a:srgbClr val="7CC6FE"/>
+                </a:solidFill>
+                <a:latin typeface="Lato Black" panose="020F0A02020204030203" pitchFamily="34" charset="0"/>
+                <a:cs typeface="Arial" panose="020B0604020202020204" pitchFamily="34" charset="0"/>
+              </a:rPr>
+              <a:t>MODEL COMPARISON USING FISHER EXACT TEST</a:t>
+            </a:r>
+            <a:endParaRPr lang="en-US" sz="4800" b="1" dirty="0">
+              <a:solidFill>
+                <a:srgbClr val="7CC6FE"/>
+              </a:solidFill>
+              <a:latin typeface="Lato Black" panose="020F0A02020204030203" pitchFamily="34" charset="0"/>
+              <a:cs typeface="Arial" panose="020B0604020202020204" pitchFamily="34" charset="0"/>
+            </a:endParaRPr>
+          </a:p>
+          <a:p>
+            <a:pPr>
+              <a:lnSpc>
+                <a:spcPct val="120000"/>
+              </a:lnSpc>
+            </a:pPr>
+            <a:endParaRPr lang="en-US" sz="4800" dirty="0" smtClean="0">
+              <a:latin typeface="Lato" panose="020F0502020204030203" pitchFamily="34" charset="0"/>
+              <a:cs typeface="Arial" panose="020B0604020202020204" pitchFamily="34" charset="0"/>
+            </a:endParaRPr>
+          </a:p>
+          <a:p>
+            <a:pPr>
+              <a:lnSpc>
+                <a:spcPct val="120000"/>
+              </a:lnSpc>
+            </a:pPr>
+            <a:endParaRPr lang="en-US" sz="4800" dirty="0">
+              <a:latin typeface="Lato" panose="020F0502020204030203" pitchFamily="34" charset="0"/>
+              <a:cs typeface="Arial" panose="020B0604020202020204" pitchFamily="34" charset="0"/>
+            </a:endParaRPr>
+          </a:p>
+          <a:p>
+            <a:pPr>
+              <a:lnSpc>
+                <a:spcPct val="120000"/>
+              </a:lnSpc>
+            </a:pPr>
+            <a:endParaRPr lang="en-US" sz="4800" dirty="0" smtClean="0">
+              <a:latin typeface="Lato" panose="020F0502020204030203" pitchFamily="34" charset="0"/>
+              <a:cs typeface="Arial" panose="020B0604020202020204" pitchFamily="34" charset="0"/>
+            </a:endParaRPr>
+          </a:p>
+          <a:p>
+            <a:pPr>
+              <a:lnSpc>
+                <a:spcPct val="120000"/>
+              </a:lnSpc>
+            </a:pPr>
+            <a:endParaRPr lang="en-US" sz="4800" dirty="0">
+              <a:latin typeface="Lato" panose="020F0502020204030203" pitchFamily="34" charset="0"/>
+              <a:cs typeface="Arial" panose="020B0604020202020204" pitchFamily="34" charset="0"/>
+            </a:endParaRPr>
+          </a:p>
+          <a:p>
+            <a:pPr>
+              <a:lnSpc>
+                <a:spcPct val="120000"/>
+              </a:lnSpc>
+            </a:pPr>
+            <a:endParaRPr lang="en-US" sz="4800" dirty="0" smtClean="0">
+              <a:latin typeface="Lato" panose="020F0502020204030203" pitchFamily="34" charset="0"/>
+              <a:cs typeface="Arial" panose="020B0604020202020204" pitchFamily="34" charset="0"/>
+            </a:endParaRPr>
+          </a:p>
+          <a:p>
+            <a:pPr>
+              <a:lnSpc>
+                <a:spcPct val="120000"/>
+              </a:lnSpc>
+            </a:pPr>
+            <a:endParaRPr lang="en-US" sz="4800" dirty="0">
+              <a:latin typeface="Lato" panose="020F0502020204030203" pitchFamily="34" charset="0"/>
+              <a:cs typeface="Arial" panose="020B0604020202020204" pitchFamily="34" charset="0"/>
+            </a:endParaRPr>
+          </a:p>
+          <a:p>
+            <a:pPr>
+              <a:lnSpc>
+                <a:spcPct val="120000"/>
+              </a:lnSpc>
+            </a:pPr>
+            <a:endParaRPr lang="en-US" sz="4800" dirty="0" smtClean="0">
+              <a:latin typeface="Lato" panose="020F0502020204030203" pitchFamily="34" charset="0"/>
+              <a:cs typeface="Arial" panose="020B0604020202020204" pitchFamily="34" charset="0"/>
+            </a:endParaRPr>
+          </a:p>
+          <a:p>
+            <a:pPr>
+              <a:lnSpc>
+                <a:spcPct val="120000"/>
+              </a:lnSpc>
+            </a:pPr>
+            <a:endParaRPr lang="en-US" sz="4800" dirty="0">
+              <a:latin typeface="Lato" panose="020F0502020204030203" pitchFamily="34" charset="0"/>
+              <a:cs typeface="Arial" panose="020B0604020202020204" pitchFamily="34" charset="0"/>
+            </a:endParaRPr>
+          </a:p>
+          <a:p>
+            <a:pPr>
+              <a:lnSpc>
+                <a:spcPct val="120000"/>
+              </a:lnSpc>
+            </a:pPr>
+            <a:r>
+              <a:rPr lang="en-US" sz="4800" b="1" dirty="0" smtClean="0">
+                <a:solidFill>
+                  <a:srgbClr val="7CC6FE"/>
+                </a:solidFill>
+                <a:latin typeface="Lato Black" panose="020F0A02020204030203" pitchFamily="34" charset="0"/>
+                <a:cs typeface="Arial" panose="020B0604020202020204" pitchFamily="34" charset="0"/>
+              </a:rPr>
+              <a:t>RELATIONSHIP BETWEEN OPERATION COUNT, TIME, AND ACCURACY </a:t>
+            </a:r>
+            <a:endParaRPr lang="en-US" sz="4800" b="1" dirty="0">
+              <a:solidFill>
+                <a:srgbClr val="7CC6FE"/>
+              </a:solidFill>
+              <a:latin typeface="Lato Black" panose="020F0A02020204030203" pitchFamily="34" charset="0"/>
+              <a:cs typeface="Arial" panose="020B0604020202020204" pitchFamily="34" charset="0"/>
+            </a:endParaRPr>
+          </a:p>
+        </p:txBody>
+      </p:sp>
       <p:pic>
         <p:nvPicPr>
-          <p:cNvPr id="25" name="Picture 24" descr="Screen Shot 2019-11-24 at 1.49.33 PM.jpg"/>
+          <p:cNvPr id="26" name="Picture 25" descr="Screen Shot 2019-11-24 at 1.54.35 PM.jpg"/>
           <p:cNvPicPr>
             <a:picLocks noChangeAspect="1"/>
           </p:cNvPicPr>
@@ -4249,8 +4213,8 @@
         </p:blipFill>
         <p:spPr>
           <a:xfrm>
-            <a:off x="19108210" y="15036800"/>
-            <a:ext cx="12590990" cy="6181212"/>
+            <a:off x="19354800" y="21710649"/>
+            <a:ext cx="12547600" cy="8721123"/>
           </a:xfrm>
           <a:prstGeom prst="rect">
             <a:avLst/>
@@ -4259,10 +4223,10 @@
       </p:pic>
       <p:sp>
         <p:nvSpPr>
-          <p:cNvPr id="27" name="Rectangle 26">
+          <p:cNvPr id="29" name="Rectangle 28">
             <a:extLst>
               <a:ext uri="{FF2B5EF4-FFF2-40B4-BE49-F238E27FC236}">
-                <a16:creationId xmlns="" xmlns:a16="http://schemas.microsoft.com/office/drawing/2014/main" id="{643038D2-6694-4FF1-AFD6-35D55E87C41A}"/>
+                <a16:creationId xmlns:a16="http://schemas.microsoft.com/office/drawing/2014/main" xmlns="" id="{643038D2-6694-4FF1-AFD6-35D55E87C41A}"/>
               </a:ext>
             </a:extLst>
           </p:cNvPr>
@@ -4271,8 +4235,8 @@
         </p:nvSpPr>
         <p:spPr>
           <a:xfrm>
-            <a:off x="19112998" y="13330287"/>
-            <a:ext cx="11976602" cy="9818072"/>
+            <a:off x="19265398" y="21661487"/>
+            <a:ext cx="9893802" cy="8045279"/>
           </a:xfrm>
           <a:prstGeom prst="rect">
             <a:avLst/>
@@ -4289,16 +4253,94 @@
                 <a:spcPct val="120000"/>
               </a:lnSpc>
             </a:pPr>
-            <a:r>
-              <a:rPr lang="en-US" sz="4800" b="1" dirty="0" smtClean="0">
-                <a:solidFill>
-                  <a:srgbClr val="7CC6FE"/>
-                </a:solidFill>
-                <a:latin typeface="Lato Black" panose="020F0A02020204030203" pitchFamily="34" charset="0"/>
-                <a:cs typeface="Arial" panose="020B0604020202020204" pitchFamily="34" charset="0"/>
-              </a:rPr>
-              <a:t>MODEL COMPARISON USING FISHER EXACT TEST</a:t>
-            </a:r>
+            <a:endParaRPr lang="en-US" sz="4800" dirty="0" smtClean="0">
+              <a:latin typeface="Lato" panose="020F0502020204030203" pitchFamily="34" charset="0"/>
+              <a:cs typeface="Arial" panose="020B0604020202020204" pitchFamily="34" charset="0"/>
+            </a:endParaRPr>
+          </a:p>
+          <a:p>
+            <a:pPr>
+              <a:lnSpc>
+                <a:spcPct val="120000"/>
+              </a:lnSpc>
+            </a:pPr>
+            <a:endParaRPr lang="en-US" sz="4800" dirty="0">
+              <a:latin typeface="Lato" panose="020F0502020204030203" pitchFamily="34" charset="0"/>
+              <a:cs typeface="Arial" panose="020B0604020202020204" pitchFamily="34" charset="0"/>
+            </a:endParaRPr>
+          </a:p>
+          <a:p>
+            <a:pPr>
+              <a:lnSpc>
+                <a:spcPct val="120000"/>
+              </a:lnSpc>
+            </a:pPr>
+            <a:endParaRPr lang="en-US" sz="4800" dirty="0" smtClean="0">
+              <a:latin typeface="Lato" panose="020F0502020204030203" pitchFamily="34" charset="0"/>
+              <a:cs typeface="Arial" panose="020B0604020202020204" pitchFamily="34" charset="0"/>
+            </a:endParaRPr>
+          </a:p>
+          <a:p>
+            <a:pPr>
+              <a:lnSpc>
+                <a:spcPct val="120000"/>
+              </a:lnSpc>
+            </a:pPr>
+            <a:endParaRPr lang="en-US" sz="4800" dirty="0">
+              <a:latin typeface="Lato" panose="020F0502020204030203" pitchFamily="34" charset="0"/>
+              <a:cs typeface="Arial" panose="020B0604020202020204" pitchFamily="34" charset="0"/>
+            </a:endParaRPr>
+          </a:p>
+          <a:p>
+            <a:pPr>
+              <a:lnSpc>
+                <a:spcPct val="120000"/>
+              </a:lnSpc>
+            </a:pPr>
+            <a:endParaRPr lang="en-US" sz="4800" dirty="0" smtClean="0">
+              <a:latin typeface="Lato" panose="020F0502020204030203" pitchFamily="34" charset="0"/>
+              <a:cs typeface="Arial" panose="020B0604020202020204" pitchFamily="34" charset="0"/>
+            </a:endParaRPr>
+          </a:p>
+          <a:p>
+            <a:pPr>
+              <a:lnSpc>
+                <a:spcPct val="120000"/>
+              </a:lnSpc>
+            </a:pPr>
+            <a:endParaRPr lang="en-US" sz="4800" dirty="0">
+              <a:latin typeface="Lato" panose="020F0502020204030203" pitchFamily="34" charset="0"/>
+              <a:cs typeface="Arial" panose="020B0604020202020204" pitchFamily="34" charset="0"/>
+            </a:endParaRPr>
+          </a:p>
+          <a:p>
+            <a:pPr>
+              <a:lnSpc>
+                <a:spcPct val="120000"/>
+              </a:lnSpc>
+            </a:pPr>
+            <a:endParaRPr lang="en-US" sz="4800" dirty="0" smtClean="0">
+              <a:latin typeface="Lato" panose="020F0502020204030203" pitchFamily="34" charset="0"/>
+              <a:cs typeface="Arial" panose="020B0604020202020204" pitchFamily="34" charset="0"/>
+            </a:endParaRPr>
+          </a:p>
+          <a:p>
+            <a:pPr>
+              <a:lnSpc>
+                <a:spcPct val="120000"/>
+              </a:lnSpc>
+            </a:pPr>
+            <a:endParaRPr lang="en-US" sz="4800" dirty="0">
+              <a:latin typeface="Lato" panose="020F0502020204030203" pitchFamily="34" charset="0"/>
+              <a:cs typeface="Arial" panose="020B0604020202020204" pitchFamily="34" charset="0"/>
+            </a:endParaRPr>
+          </a:p>
+          <a:p>
+            <a:pPr>
+              <a:lnSpc>
+                <a:spcPct val="120000"/>
+              </a:lnSpc>
+            </a:pPr>
             <a:endParaRPr lang="en-US" sz="4800" b="1" dirty="0">
               <a:solidFill>
                 <a:srgbClr val="7CC6FE"/>
@@ -4307,112 +4349,11 @@
               <a:cs typeface="Arial" panose="020B0604020202020204" pitchFamily="34" charset="0"/>
             </a:endParaRPr>
           </a:p>
-          <a:p>
-            <a:pPr>
-              <a:lnSpc>
-                <a:spcPct val="120000"/>
-              </a:lnSpc>
-            </a:pPr>
-            <a:endParaRPr lang="en-US" sz="4800" dirty="0" smtClean="0">
-              <a:latin typeface="Lato" panose="020F0502020204030203" pitchFamily="34" charset="0"/>
-              <a:cs typeface="Arial" panose="020B0604020202020204" pitchFamily="34" charset="0"/>
-            </a:endParaRPr>
-          </a:p>
-          <a:p>
-            <a:pPr>
-              <a:lnSpc>
-                <a:spcPct val="120000"/>
-              </a:lnSpc>
-            </a:pPr>
-            <a:endParaRPr lang="en-US" sz="4800" dirty="0">
-              <a:latin typeface="Lato" panose="020F0502020204030203" pitchFamily="34" charset="0"/>
-              <a:cs typeface="Arial" panose="020B0604020202020204" pitchFamily="34" charset="0"/>
-            </a:endParaRPr>
-          </a:p>
-          <a:p>
-            <a:pPr>
-              <a:lnSpc>
-                <a:spcPct val="120000"/>
-              </a:lnSpc>
-            </a:pPr>
-            <a:endParaRPr lang="en-US" sz="4800" dirty="0" smtClean="0">
-              <a:latin typeface="Lato" panose="020F0502020204030203" pitchFamily="34" charset="0"/>
-              <a:cs typeface="Arial" panose="020B0604020202020204" pitchFamily="34" charset="0"/>
-            </a:endParaRPr>
-          </a:p>
-          <a:p>
-            <a:pPr>
-              <a:lnSpc>
-                <a:spcPct val="120000"/>
-              </a:lnSpc>
-            </a:pPr>
-            <a:endParaRPr lang="en-US" sz="4800" dirty="0">
-              <a:latin typeface="Lato" panose="020F0502020204030203" pitchFamily="34" charset="0"/>
-              <a:cs typeface="Arial" panose="020B0604020202020204" pitchFamily="34" charset="0"/>
-            </a:endParaRPr>
-          </a:p>
-          <a:p>
-            <a:pPr>
-              <a:lnSpc>
-                <a:spcPct val="120000"/>
-              </a:lnSpc>
-            </a:pPr>
-            <a:endParaRPr lang="en-US" sz="4800" dirty="0" smtClean="0">
-              <a:latin typeface="Lato" panose="020F0502020204030203" pitchFamily="34" charset="0"/>
-              <a:cs typeface="Arial" panose="020B0604020202020204" pitchFamily="34" charset="0"/>
-            </a:endParaRPr>
-          </a:p>
-          <a:p>
-            <a:pPr>
-              <a:lnSpc>
-                <a:spcPct val="120000"/>
-              </a:lnSpc>
-            </a:pPr>
-            <a:endParaRPr lang="en-US" sz="4800" dirty="0">
-              <a:latin typeface="Lato" panose="020F0502020204030203" pitchFamily="34" charset="0"/>
-              <a:cs typeface="Arial" panose="020B0604020202020204" pitchFamily="34" charset="0"/>
-            </a:endParaRPr>
-          </a:p>
-          <a:p>
-            <a:pPr>
-              <a:lnSpc>
-                <a:spcPct val="120000"/>
-              </a:lnSpc>
-            </a:pPr>
-            <a:endParaRPr lang="en-US" sz="4800" dirty="0">
-              <a:latin typeface="Lato" panose="020F0502020204030203" pitchFamily="34" charset="0"/>
-              <a:cs typeface="Arial" panose="020B0604020202020204" pitchFamily="34" charset="0"/>
-            </a:endParaRPr>
-          </a:p>
-          <a:p>
-            <a:pPr>
-              <a:lnSpc>
-                <a:spcPct val="120000"/>
-              </a:lnSpc>
-            </a:pPr>
-            <a:r>
-              <a:rPr lang="en-US" sz="4800" b="1" dirty="0" smtClean="0">
-                <a:solidFill>
-                  <a:srgbClr val="7CC6FE"/>
-                </a:solidFill>
-                <a:latin typeface="Lato Black" panose="020F0A02020204030203" pitchFamily="34" charset="0"/>
-                <a:cs typeface="Arial" panose="020B0604020202020204" pitchFamily="34" charset="0"/>
-              </a:rPr>
-              <a:t>RELATIONSHIP BETWEEN OPERATION COUNT, TIME, AND ACCURACY </a:t>
-            </a:r>
-            <a:endParaRPr lang="en-US" sz="4800" b="1" dirty="0">
-              <a:solidFill>
-                <a:srgbClr val="7CC6FE"/>
-              </a:solidFill>
-              <a:latin typeface="Lato Black" panose="020F0A02020204030203" pitchFamily="34" charset="0"/>
-              <a:cs typeface="Arial" panose="020B0604020202020204" pitchFamily="34" charset="0"/>
-            </a:endParaRPr>
-          </a:p>
         </p:txBody>
       </p:sp>
       <p:pic>
         <p:nvPicPr>
-          <p:cNvPr id="26" name="Picture 25" descr="Screen Shot 2019-11-24 at 1.54.35 PM.jpg"/>
+          <p:cNvPr id="7" name="Picture 6" descr="Screen Shot 2019-11-28 at 9.57.33 PM.jpg"/>
           <p:cNvPicPr>
             <a:picLocks noChangeAspect="1"/>
           </p:cNvPicPr>
@@ -4432,8 +4373,8 @@
         </p:blipFill>
         <p:spPr>
           <a:xfrm>
-            <a:off x="19354800" y="23488649"/>
-            <a:ext cx="12547600" cy="8721123"/>
+            <a:off x="11088710" y="12700000"/>
+            <a:ext cx="7584225" cy="4064000"/>
           </a:xfrm>
           <a:prstGeom prst="rect">
             <a:avLst/>
@@ -4442,10 +4383,10 @@
       </p:pic>
       <p:sp>
         <p:nvSpPr>
-          <p:cNvPr id="29" name="Rectangle 28">
+          <p:cNvPr id="21" name="Rectangle 20">
             <a:extLst>
               <a:ext uri="{FF2B5EF4-FFF2-40B4-BE49-F238E27FC236}">
-                <a16:creationId xmlns="" xmlns:a16="http://schemas.microsoft.com/office/drawing/2014/main" id="{643038D2-6694-4FF1-AFD6-35D55E87C41A}"/>
+                <a16:creationId xmlns:a16="http://schemas.microsoft.com/office/drawing/2014/main" xmlns="" id="{643038D2-6694-4FF1-AFD6-35D55E87C41A}"/>
               </a:ext>
             </a:extLst>
           </p:cNvPr>
@@ -4454,8 +4395,8 @@
         </p:nvSpPr>
         <p:spPr>
           <a:xfrm>
-            <a:off x="19265398" y="21661487"/>
-            <a:ext cx="9893802" cy="8045279"/>
+            <a:off x="11086598" y="10790287"/>
+            <a:ext cx="8674602" cy="8045279"/>
           </a:xfrm>
           <a:prstGeom prst="rect">
             <a:avLst/>
@@ -4565,6 +4506,272 @@
                 <a:srgbClr val="7CC6FE"/>
               </a:solidFill>
               <a:latin typeface="Lato Black" panose="020F0A02020204030203" pitchFamily="34" charset="0"/>
+              <a:cs typeface="Arial" panose="020B0604020202020204" pitchFamily="34" charset="0"/>
+            </a:endParaRPr>
+          </a:p>
+        </p:txBody>
+      </p:sp>
+      <p:sp>
+        <p:nvSpPr>
+          <p:cNvPr id="23" name="Rectangle 22">
+            <a:extLst>
+              <a:ext uri="{FF2B5EF4-FFF2-40B4-BE49-F238E27FC236}">
+                <a16:creationId xmlns:a16="http://schemas.microsoft.com/office/drawing/2014/main" xmlns="" id="{643038D2-6694-4FF1-AFD6-35D55E87C41A}"/>
+              </a:ext>
+            </a:extLst>
+          </p:cNvPr>
+          <p:cNvSpPr/>
+          <p:nvPr/>
+        </p:nvSpPr>
+        <p:spPr>
+          <a:xfrm>
+            <a:off x="10984998" y="10739487"/>
+            <a:ext cx="8115802" cy="1840504"/>
+          </a:xfrm>
+          <a:prstGeom prst="rect">
+            <a:avLst/>
+          </a:prstGeom>
+        </p:spPr>
+        <p:txBody>
+          <a:bodyPr wrap="square">
+            <a:spAutoFit/>
+          </a:bodyPr>
+          <a:lstStyle/>
+          <a:p>
+            <a:pPr>
+              <a:lnSpc>
+                <a:spcPct val="120000"/>
+              </a:lnSpc>
+            </a:pPr>
+            <a:r>
+              <a:rPr lang="en-US" sz="4800" b="1" dirty="0" smtClean="0">
+                <a:solidFill>
+                  <a:srgbClr val="7CC6FE"/>
+                </a:solidFill>
+                <a:latin typeface="Lato Black" panose="020F0A02020204030203" pitchFamily="34" charset="0"/>
+                <a:cs typeface="Arial" panose="020B0604020202020204" pitchFamily="34" charset="0"/>
+              </a:rPr>
+              <a:t>EXACT BINOMIAL TEST </a:t>
+            </a:r>
+          </a:p>
+          <a:p>
+            <a:pPr>
+              <a:lnSpc>
+                <a:spcPct val="120000"/>
+              </a:lnSpc>
+            </a:pPr>
+            <a:r>
+              <a:rPr lang="en-US" sz="4800" b="1" dirty="0" smtClean="0">
+                <a:solidFill>
+                  <a:srgbClr val="7CC6FE"/>
+                </a:solidFill>
+                <a:latin typeface="Lato Black" panose="020F0A02020204030203" pitchFamily="34" charset="0"/>
+                <a:cs typeface="Arial" panose="020B0604020202020204" pitchFamily="34" charset="0"/>
+              </a:rPr>
+              <a:t>WRT RANDOM GUESSING</a:t>
+            </a:r>
+            <a:r>
+              <a:rPr lang="en-US" sz="4800" b="1" dirty="0" smtClean="0">
+                <a:solidFill>
+                  <a:srgbClr val="7CC6FE"/>
+                </a:solidFill>
+                <a:latin typeface="Lato Black" panose="020F0A02020204030203" pitchFamily="34" charset="0"/>
+                <a:cs typeface="Arial" panose="020B0604020202020204" pitchFamily="34" charset="0"/>
+              </a:rPr>
+              <a:t> </a:t>
+            </a:r>
+            <a:endParaRPr lang="en-US" sz="4800" b="1" dirty="0">
+              <a:solidFill>
+                <a:srgbClr val="7CC6FE"/>
+              </a:solidFill>
+              <a:latin typeface="Lato Black" panose="020F0A02020204030203" pitchFamily="34" charset="0"/>
+              <a:cs typeface="Arial" panose="020B0604020202020204" pitchFamily="34" charset="0"/>
+            </a:endParaRPr>
+          </a:p>
+        </p:txBody>
+      </p:sp>
+      <p:pic>
+        <p:nvPicPr>
+          <p:cNvPr id="13" name="Picture 12" descr="ua_stack_rgb_4.png"/>
+          <p:cNvPicPr>
+            <a:picLocks noChangeAspect="1"/>
+          </p:cNvPicPr>
+          <p:nvPr/>
+        </p:nvPicPr>
+        <p:blipFill>
+          <a:blip r:embed="rId8" cstate="print">
+            <a:extLst>
+              <a:ext uri="{28A0092B-C50C-407E-A947-70E740481C1C}">
+                <a14:useLocalDpi xmlns:a14="http://schemas.microsoft.com/office/drawing/2010/main" val="0"/>
+              </a:ext>
+            </a:extLst>
+          </a:blip>
+          <a:stretch>
+            <a:fillRect/>
+          </a:stretch>
+        </p:blipFill>
+        <p:spPr>
+          <a:xfrm>
+            <a:off x="12841224" y="36122356"/>
+            <a:ext cx="3143387" cy="2942844"/>
+          </a:xfrm>
+          <a:prstGeom prst="rect">
+            <a:avLst/>
+          </a:prstGeom>
+        </p:spPr>
+      </p:pic>
+      <p:pic>
+        <p:nvPicPr>
+          <p:cNvPr id="14" name="Picture 13" descr="UlogoHv1_400p.png"/>
+          <p:cNvPicPr>
+            <a:picLocks noChangeAspect="1"/>
+          </p:cNvPicPr>
+          <p:nvPr/>
+        </p:nvPicPr>
+        <p:blipFill>
+          <a:blip r:embed="rId9">
+            <a:extLst>
+              <a:ext uri="{28A0092B-C50C-407E-A947-70E740481C1C}">
+                <a14:useLocalDpi xmlns:a14="http://schemas.microsoft.com/office/drawing/2010/main" val="0"/>
+              </a:ext>
+            </a:extLst>
+          </a:blip>
+          <a:stretch>
+            <a:fillRect/>
+          </a:stretch>
+        </p:blipFill>
+        <p:spPr>
+          <a:xfrm>
+            <a:off x="7772400" y="31546800"/>
+            <a:ext cx="6451600" cy="6451600"/>
+          </a:xfrm>
+          <a:prstGeom prst="rect">
+            <a:avLst/>
+          </a:prstGeom>
+        </p:spPr>
+      </p:pic>
+      <p:pic>
+        <p:nvPicPr>
+          <p:cNvPr id="19" name="Picture 18" descr="qr-code (3).png"/>
+          <p:cNvPicPr>
+            <a:picLocks noChangeAspect="1"/>
+          </p:cNvPicPr>
+          <p:nvPr/>
+        </p:nvPicPr>
+        <p:blipFill>
+          <a:blip r:embed="rId10">
+            <a:extLst>
+              <a:ext uri="{28A0092B-C50C-407E-A947-70E740481C1C}">
+                <a14:useLocalDpi xmlns:a14="http://schemas.microsoft.com/office/drawing/2010/main" val="0"/>
+              </a:ext>
+            </a:extLst>
+          </a:blip>
+          <a:stretch>
+            <a:fillRect/>
+          </a:stretch>
+        </p:blipFill>
+        <p:spPr>
+          <a:xfrm>
+            <a:off x="25349200" y="32613600"/>
+            <a:ext cx="6502400" cy="6502400"/>
+          </a:xfrm>
+          <a:prstGeom prst="rect">
+            <a:avLst/>
+          </a:prstGeom>
+        </p:spPr>
+      </p:pic>
+      <p:sp>
+        <p:nvSpPr>
+          <p:cNvPr id="28" name="TextBox 27">
+            <a:extLst>
+              <a:ext uri="{FF2B5EF4-FFF2-40B4-BE49-F238E27FC236}">
+                <a16:creationId xmlns:a16="http://schemas.microsoft.com/office/drawing/2014/main" xmlns="" id="{F98AF760-C359-4592-BF1F-0C7A94DA9F89}"/>
+              </a:ext>
+            </a:extLst>
+          </p:cNvPr>
+          <p:cNvSpPr txBox="1"/>
+          <p:nvPr/>
+        </p:nvSpPr>
+        <p:spPr>
+          <a:xfrm>
+            <a:off x="21996400" y="34922446"/>
+            <a:ext cx="3810000" cy="2726900"/>
+          </a:xfrm>
+          <a:prstGeom prst="rect">
+            <a:avLst/>
+          </a:prstGeom>
+          <a:noFill/>
+          <a:ln>
+            <a:noFill/>
+          </a:ln>
+        </p:spPr>
+        <p:txBody>
+          <a:bodyPr wrap="square" rtlCol="0">
+            <a:spAutoFit/>
+          </a:bodyPr>
+          <a:lstStyle/>
+          <a:p>
+            <a:pPr>
+              <a:lnSpc>
+                <a:spcPct val="120000"/>
+              </a:lnSpc>
+            </a:pPr>
+            <a:r>
+              <a:rPr lang="en-US" sz="4800" dirty="0" smtClean="0">
+                <a:solidFill>
+                  <a:schemeClr val="bg1"/>
+                </a:solidFill>
+                <a:latin typeface="Lato" panose="020F0502020204030203" pitchFamily="34" charset="0"/>
+                <a:cs typeface="Arial" panose="020B0604020202020204" pitchFamily="34" charset="0"/>
+              </a:rPr>
+              <a:t>Scan code fo</a:t>
+            </a:r>
+            <a:r>
+              <a:rPr lang="en-US" sz="4800" dirty="0" smtClean="0">
+                <a:solidFill>
+                  <a:schemeClr val="bg1"/>
+                </a:solidFill>
+                <a:latin typeface="Lato" panose="020F0502020204030203" pitchFamily="34" charset="0"/>
+                <a:cs typeface="Arial" panose="020B0604020202020204" pitchFamily="34" charset="0"/>
+              </a:rPr>
+              <a:t>r </a:t>
+            </a:r>
+            <a:r>
+              <a:rPr lang="en-US" sz="4800" dirty="0" err="1" smtClean="0">
+                <a:solidFill>
+                  <a:schemeClr val="bg1"/>
+                </a:solidFill>
+                <a:latin typeface="Lato" panose="020F0502020204030203" pitchFamily="34" charset="0"/>
+                <a:cs typeface="Arial" panose="020B0604020202020204" pitchFamily="34" charset="0"/>
+              </a:rPr>
+              <a:t>arXiv</a:t>
+            </a:r>
+            <a:r>
+              <a:rPr lang="en-US" sz="4800" dirty="0" smtClean="0">
+                <a:solidFill>
+                  <a:schemeClr val="bg1"/>
+                </a:solidFill>
+                <a:latin typeface="Lato" panose="020F0502020204030203" pitchFamily="34" charset="0"/>
+                <a:cs typeface="Arial" panose="020B0604020202020204" pitchFamily="34" charset="0"/>
+              </a:rPr>
+              <a:t>.</a:t>
+            </a:r>
+            <a:endParaRPr lang="en-US" sz="4800" dirty="0" smtClean="0">
+              <a:solidFill>
+                <a:schemeClr val="bg1"/>
+              </a:solidFill>
+              <a:latin typeface="Lato Black" panose="020F0A02020204030203" pitchFamily="34" charset="0"/>
+              <a:cs typeface="Arial" panose="020B0604020202020204" pitchFamily="34" charset="0"/>
+            </a:endParaRPr>
+          </a:p>
+          <a:p>
+            <a:pPr>
+              <a:lnSpc>
+                <a:spcPct val="120000"/>
+              </a:lnSpc>
+            </a:pPr>
+            <a:endParaRPr lang="en-US" sz="4800" b="1" dirty="0">
+              <a:latin typeface="Lato" panose="020F0502020204030203" pitchFamily="34" charset="0"/>
               <a:cs typeface="Arial" panose="020B0604020202020204" pitchFamily="34" charset="0"/>
             </a:endParaRPr>
           </a:p>
@@ -4580,6 +4787,13 @@
   <p:clrMapOvr>
     <a:masterClrMapping/>
   </p:clrMapOvr>
+  <p:timing>
+    <p:tnLst>
+      <p:par>
+        <p:cTn xmlns:p14="http://schemas.microsoft.com/office/powerpoint/2010/main" id="1" dur="indefinite" restart="never" nodeType="tmRoot"/>
+      </p:par>
+    </p:tnLst>
+  </p:timing>
 </p:sld>
 </file>
 
@@ -4838,7 +5052,7 @@
   <a:extraClrSchemeLst/>
   <a:extLst>
     <a:ext uri="{05A4C25C-085E-4340-85A3-A5531E510DB2}">
-      <thm15:themeFamily xmlns="" xmlns:thm15="http://schemas.microsoft.com/office/thememl/2012/main" name="Office Theme" id="{62F939B6-93AF-4DB8-9C6B-D6C7DFDC589F}" vid="{4A3C46E8-61CC-4603-A589-7422A47A8E4A}"/>
+      <thm15:themeFamily xmlns:thm15="http://schemas.microsoft.com/office/thememl/2012/main" xmlns="" name="Office Theme" id="{62F939B6-93AF-4DB8-9C6B-D6C7DFDC589F}" vid="{4A3C46E8-61CC-4603-A589-7422A47A8E4A}"/>
     </a:ext>
   </a:extLst>
 </a:theme>
